--- a/PPT/Proyek 2.pptx
+++ b/PPT/Proyek 2.pptx
@@ -30346,45 +30346,6 @@
           </p:txBody>
         </p:sp>
       </p:grpSp>
-      <p:pic>
-        <p:nvPicPr>
-          <p:cNvPr id="40" name="Picture 39">
-            <a:extLst>
-              <a:ext uri="{FF2B5EF4-FFF2-40B4-BE49-F238E27FC236}">
-                <a16:creationId xmlns:a16="http://schemas.microsoft.com/office/drawing/2014/main" id="{64C757B8-D00D-4FFC-ACF6-0CFF510F6E25}"/>
-              </a:ext>
-            </a:extLst>
-          </p:cNvPr>
-          <p:cNvPicPr/>
-          <p:nvPr/>
-        </p:nvPicPr>
-        <p:blipFill>
-          <a:blip r:embed="rId3">
-            <a:extLst>
-              <a:ext uri="{28A0092B-C50C-407E-A947-70E740481C1C}">
-                <a14:useLocalDpi xmlns:a14="http://schemas.microsoft.com/office/drawing/2010/main" val="0"/>
-              </a:ext>
-            </a:extLst>
-          </a:blip>
-          <a:srcRect/>
-          <a:stretch>
-            <a:fillRect/>
-          </a:stretch>
-        </p:blipFill>
-        <p:spPr bwMode="auto">
-          <a:xfrm>
-            <a:off x="2758497" y="318273"/>
-            <a:ext cx="5060315" cy="4564488"/>
-          </a:xfrm>
-          <a:prstGeom prst="rect">
-            <a:avLst/>
-          </a:prstGeom>
-          <a:noFill/>
-          <a:ln>
-            <a:noFill/>
-          </a:ln>
-        </p:spPr>
-      </p:pic>
       <p:sp>
         <p:nvSpPr>
           <p:cNvPr id="41" name="Google Shape;461;p46">
@@ -30691,11 +30652,41 @@
                 <a:latin typeface="Times New Roman" panose="02020603050405020304" pitchFamily="18" charset="0"/>
                 <a:cs typeface="Times New Roman" panose="02020603050405020304" pitchFamily="18" charset="0"/>
               </a:rPr>
-              <a:t>Akan Di Bangun</a:t>
+              <a:t>Sedang Di Bangun</a:t>
             </a:r>
           </a:p>
         </p:txBody>
       </p:sp>
+      <p:pic>
+        <p:nvPicPr>
+          <p:cNvPr id="3" name="Picture 2">
+            <a:extLst>
+              <a:ext uri="{FF2B5EF4-FFF2-40B4-BE49-F238E27FC236}">
+                <a16:creationId xmlns:a16="http://schemas.microsoft.com/office/drawing/2014/main" id="{F5979E58-D4AA-40F8-9B54-708DFBCBA8D2}"/>
+              </a:ext>
+            </a:extLst>
+          </p:cNvPr>
+          <p:cNvPicPr>
+            <a:picLocks noChangeAspect="1"/>
+          </p:cNvPicPr>
+          <p:nvPr/>
+        </p:nvPicPr>
+        <p:blipFill>
+          <a:blip r:embed="rId3"/>
+          <a:stretch>
+            <a:fillRect/>
+          </a:stretch>
+        </p:blipFill>
+        <p:spPr>
+          <a:xfrm>
+            <a:off x="2946330" y="167516"/>
+            <a:ext cx="4919060" cy="4748621"/>
+          </a:xfrm>
+          <a:prstGeom prst="rect">
+            <a:avLst/>
+          </a:prstGeom>
+        </p:spPr>
+      </p:pic>
     </p:spTree>
   </p:cSld>
   <p:clrMapOvr>
